--- a/lw337_midterm project.pptx
+++ b/lw337_midterm project.pptx
@@ -112,6 +112,11 @@
       </a:defRPr>
     </a:lvl9pPr>
   </p:defaultTextStyle>
+  <p:extLst>
+    <p:ext uri="{EFAFB233-063F-42B5-8137-9DF3F51BA10A}">
+      <p15:sldGuideLst xmlns:p15="http://schemas.microsoft.com/office/powerpoint/2012/main"/>
+    </p:ext>
+  </p:extLst>
 </p:presentation>
 </file>
 
@@ -4425,12 +4430,71 @@
           </a:prstGeom>
         </p:spPr>
       </p:pic>
+      <p:sp>
+        <p:nvSpPr>
+          <p:cNvPr id="6" name="TextBox 5">
+            <a:extLst>
+              <a:ext uri="{FF2B5EF4-FFF2-40B4-BE49-F238E27FC236}">
+                <a16:creationId xmlns:a16="http://schemas.microsoft.com/office/drawing/2014/main" id="{CF371D80-D9A0-4B50-9E7E-02955ACE5E55}"/>
+              </a:ext>
+            </a:extLst>
+          </p:cNvPr>
+          <p:cNvSpPr txBox="1"/>
+          <p:nvPr/>
+        </p:nvSpPr>
+        <p:spPr>
+          <a:xfrm>
+            <a:off x="480010" y="4913836"/>
+            <a:ext cx="6279009" cy="523220"/>
+          </a:xfrm>
+          <a:prstGeom prst="rect">
+            <a:avLst/>
+          </a:prstGeom>
+          <a:noFill/>
+        </p:spPr>
+        <p:txBody>
+          <a:bodyPr wrap="square" rtlCol="0">
+            <a:spAutoFit/>
+          </a:bodyPr>
+          <a:lstStyle/>
+          <a:p>
+            <a:r>
+              <a:rPr lang="en-US" sz="2800" dirty="0">
+                <a:effectLst/>
+                <a:latin typeface="Consolas" panose="020B0609020204030204" pitchFamily="49" charset="0"/>
+                <a:ea typeface="等线" panose="02010600030101010101" pitchFamily="2" charset="-122"/>
+                <a:cs typeface="Times New Roman" panose="02020603050405020304" pitchFamily="18" charset="0"/>
+              </a:rPr>
+              <a:t>Lissajous-Figure</a:t>
+            </a:r>
+            <a:r>
+              <a:rPr lang="en-US" sz="1800" dirty="0">
+                <a:effectLst/>
+                <a:latin typeface="Consolas" panose="020B0609020204030204" pitchFamily="49" charset="0"/>
+                <a:ea typeface="等线" panose="02010600030101010101" pitchFamily="2" charset="-122"/>
+                <a:cs typeface="Times New Roman" panose="02020603050405020304" pitchFamily="18" charset="0"/>
+              </a:rPr>
+              <a:t> </a:t>
+            </a:r>
+            <a:r>
+              <a:rPr lang="en-US" sz="2800" dirty="0">
+                <a:effectLst/>
+                <a:latin typeface="Consolas" panose="020B0609020204030204" pitchFamily="49" charset="0"/>
+                <a:ea typeface="等线" panose="02010600030101010101" pitchFamily="2" charset="-122"/>
+                <a:cs typeface="Times New Roman" panose="02020603050405020304" pitchFamily="18" charset="0"/>
+              </a:rPr>
+              <a:t>for auto draw</a:t>
+            </a:r>
+            <a:endParaRPr lang="en-US" dirty="0"/>
+          </a:p>
+        </p:txBody>
+      </p:sp>
       <p:pic>
         <p:nvPicPr>
-          <p:cNvPr id="5" name="Picture 4">
-            <a:extLst>
-              <a:ext uri="{FF2B5EF4-FFF2-40B4-BE49-F238E27FC236}">
-                <a16:creationId xmlns:a16="http://schemas.microsoft.com/office/drawing/2014/main" id="{84D7F346-A5CE-43FB-B97A-AB6075ABF85F}"/>
+          <p:cNvPr id="8" name="Picture 7">
+            <a:extLst>
+              <a:ext uri="{FF2B5EF4-FFF2-40B4-BE49-F238E27FC236}">
+                <a16:creationId xmlns:a16="http://schemas.microsoft.com/office/drawing/2014/main" id="{31A45E73-9CD3-4380-97A9-587F6A8D0A48}"/>
               </a:ext>
             </a:extLst>
           </p:cNvPr>
@@ -4447,73 +4511,14 @@
         </p:blipFill>
         <p:spPr>
           <a:xfrm>
-            <a:off x="300901" y="5782355"/>
-            <a:ext cx="11590198" cy="394608"/>
+            <a:off x="-24936" y="5545596"/>
+            <a:ext cx="12224064" cy="260844"/>
           </a:xfrm>
           <a:prstGeom prst="rect">
             <a:avLst/>
           </a:prstGeom>
         </p:spPr>
       </p:pic>
-      <p:sp>
-        <p:nvSpPr>
-          <p:cNvPr id="6" name="TextBox 5">
-            <a:extLst>
-              <a:ext uri="{FF2B5EF4-FFF2-40B4-BE49-F238E27FC236}">
-                <a16:creationId xmlns:a16="http://schemas.microsoft.com/office/drawing/2014/main" id="{CF371D80-D9A0-4B50-9E7E-02955ACE5E55}"/>
-              </a:ext>
-            </a:extLst>
-          </p:cNvPr>
-          <p:cNvSpPr txBox="1"/>
-          <p:nvPr/>
-        </p:nvSpPr>
-        <p:spPr>
-          <a:xfrm>
-            <a:off x="480010" y="4913836"/>
-            <a:ext cx="6279009" cy="523220"/>
-          </a:xfrm>
-          <a:prstGeom prst="rect">
-            <a:avLst/>
-          </a:prstGeom>
-          <a:noFill/>
-        </p:spPr>
-        <p:txBody>
-          <a:bodyPr wrap="square" rtlCol="0">
-            <a:spAutoFit/>
-          </a:bodyPr>
-          <a:lstStyle/>
-          <a:p>
-            <a:r>
-              <a:rPr lang="en-US" sz="2800" dirty="0">
-                <a:effectLst/>
-                <a:latin typeface="Consolas" panose="020B0609020204030204" pitchFamily="49" charset="0"/>
-                <a:ea typeface="等线" panose="02010600030101010101" pitchFamily="2" charset="-122"/>
-                <a:cs typeface="Times New Roman" panose="02020603050405020304" pitchFamily="18" charset="0"/>
-              </a:rPr>
-              <a:t>Lissajous-Figure</a:t>
-            </a:r>
-            <a:r>
-              <a:rPr lang="en-US" sz="1800" dirty="0">
-                <a:effectLst/>
-                <a:latin typeface="Consolas" panose="020B0609020204030204" pitchFamily="49" charset="0"/>
-                <a:ea typeface="等线" panose="02010600030101010101" pitchFamily="2" charset="-122"/>
-                <a:cs typeface="Times New Roman" panose="02020603050405020304" pitchFamily="18" charset="0"/>
-              </a:rPr>
-              <a:t> </a:t>
-            </a:r>
-            <a:r>
-              <a:rPr lang="en-US" sz="2800" dirty="0">
-                <a:effectLst/>
-                <a:latin typeface="Consolas" panose="020B0609020204030204" pitchFamily="49" charset="0"/>
-                <a:ea typeface="等线" panose="02010600030101010101" pitchFamily="2" charset="-122"/>
-                <a:cs typeface="Times New Roman" panose="02020603050405020304" pitchFamily="18" charset="0"/>
-              </a:rPr>
-              <a:t>for auto draw</a:t>
-            </a:r>
-            <a:endParaRPr lang="en-US" dirty="0"/>
-          </a:p>
-        </p:txBody>
-      </p:sp>
     </p:spTree>
     <p:extLst>
       <p:ext uri="{BB962C8B-B14F-4D97-AF65-F5344CB8AC3E}">
